--- a/presentation/bachelor/presentation 1/Sem_2_presentation_2.pptx
+++ b/presentation/bachelor/presentation 1/Sem_2_presentation_2.pptx
@@ -12,10 +12,10 @@
     <p:sldId id="260" r:id="rId6"/>
     <p:sldId id="261" r:id="rId7"/>
     <p:sldId id="263" r:id="rId8"/>
-    <p:sldId id="262" r:id="rId9"/>
-    <p:sldId id="264" r:id="rId10"/>
-    <p:sldId id="266" r:id="rId11"/>
-    <p:sldId id="265" r:id="rId12"/>
+    <p:sldId id="267" r:id="rId9"/>
+    <p:sldId id="262" r:id="rId10"/>
+    <p:sldId id="264" r:id="rId11"/>
+    <p:sldId id="266" r:id="rId12"/>
   </p:sldIdLst>
   <p:sldSz cx="9144000" cy="6858000" type="screen4x3"/>
   <p:notesSz cx="6858000" cy="9144000"/>
@@ -743,7 +743,7 @@
             <a:fld id="{1D8BD707-D9CF-40AE-B4C6-C98DA3205C09}" type="datetimeFigureOut">
               <a:rPr lang="en-US" smtClean="0"/>
               <a:pPr/>
-              <a:t>20-Mar-19</a:t>
+              <a:t>09-Apr-19</a:t>
             </a:fld>
             <a:endParaRPr lang="en-US"/>
           </a:p>
@@ -941,7 +941,7 @@
             <a:fld id="{1D8BD707-D9CF-40AE-B4C6-C98DA3205C09}" type="datetimeFigureOut">
               <a:rPr lang="en-US" smtClean="0"/>
               <a:pPr/>
-              <a:t>20-Mar-19</a:t>
+              <a:t>09-Apr-19</a:t>
             </a:fld>
             <a:endParaRPr lang="en-US"/>
           </a:p>
@@ -1128,7 +1128,7 @@
             <a:fld id="{1D8BD707-D9CF-40AE-B4C6-C98DA3205C09}" type="datetimeFigureOut">
               <a:rPr lang="en-US" smtClean="0"/>
               <a:pPr/>
-              <a:t>20-Mar-19</a:t>
+              <a:t>09-Apr-19</a:t>
             </a:fld>
             <a:endParaRPr lang="en-US"/>
           </a:p>
@@ -1280,7 +1280,7 @@
             <a:fld id="{1D8BD707-D9CF-40AE-B4C6-C98DA3205C09}" type="datetimeFigureOut">
               <a:rPr lang="en-US" smtClean="0"/>
               <a:pPr/>
-              <a:t>20-Mar-19</a:t>
+              <a:t>09-Apr-19</a:t>
             </a:fld>
             <a:endParaRPr lang="en-US"/>
           </a:p>
@@ -1537,7 +1537,7 @@
             <a:fld id="{1D8BD707-D9CF-40AE-B4C6-C98DA3205C09}" type="datetimeFigureOut">
               <a:rPr lang="en-US" smtClean="0"/>
               <a:pPr/>
-              <a:t>20-Mar-19</a:t>
+              <a:t>09-Apr-19</a:t>
             </a:fld>
             <a:endParaRPr lang="en-US"/>
           </a:p>
@@ -1948,7 +1948,7 @@
             <a:fld id="{1D8BD707-D9CF-40AE-B4C6-C98DA3205C09}" type="datetimeFigureOut">
               <a:rPr lang="en-US" smtClean="0"/>
               <a:pPr/>
-              <a:t>20-Mar-19</a:t>
+              <a:t>09-Apr-19</a:t>
             </a:fld>
             <a:endParaRPr lang="en-US"/>
           </a:p>
@@ -2396,7 +2396,7 @@
             <a:fld id="{1D8BD707-D9CF-40AE-B4C6-C98DA3205C09}" type="datetimeFigureOut">
               <a:rPr lang="en-US" smtClean="0"/>
               <a:pPr/>
-              <a:t>20-Mar-19</a:t>
+              <a:t>09-Apr-19</a:t>
             </a:fld>
             <a:endParaRPr lang="en-US"/>
           </a:p>
@@ -2499,7 +2499,7 @@
             <a:fld id="{1D8BD707-D9CF-40AE-B4C6-C98DA3205C09}" type="datetimeFigureOut">
               <a:rPr lang="en-US" smtClean="0"/>
               <a:pPr/>
-              <a:t>20-Mar-19</a:t>
+              <a:t>09-Apr-19</a:t>
             </a:fld>
             <a:endParaRPr lang="en-US"/>
           </a:p>
@@ -2622,7 +2622,7 @@
             <a:fld id="{1D8BD707-D9CF-40AE-B4C6-C98DA3205C09}" type="datetimeFigureOut">
               <a:rPr lang="en-US" smtClean="0"/>
               <a:pPr/>
-              <a:t>20-Mar-19</a:t>
+              <a:t>09-Apr-19</a:t>
             </a:fld>
             <a:endParaRPr lang="en-US"/>
           </a:p>
@@ -2898,7 +2898,7 @@
             <a:fld id="{1D8BD707-D9CF-40AE-B4C6-C98DA3205C09}" type="datetimeFigureOut">
               <a:rPr lang="en-US" smtClean="0"/>
               <a:pPr/>
-              <a:t>20-Mar-19</a:t>
+              <a:t>09-Apr-19</a:t>
             </a:fld>
             <a:endParaRPr lang="en-US"/>
           </a:p>
@@ -3105,7 +3105,7 @@
             <a:fld id="{1D8BD707-D9CF-40AE-B4C6-C98DA3205C09}" type="datetimeFigureOut">
               <a:rPr lang="en-US" smtClean="0"/>
               <a:pPr/>
-              <a:t>20-Mar-19</a:t>
+              <a:t>09-Apr-19</a:t>
             </a:fld>
             <a:endParaRPr lang="en-US"/>
           </a:p>
@@ -4216,7 +4216,7 @@
             <a:fld id="{1D8BD707-D9CF-40AE-B4C6-C98DA3205C09}" type="datetimeFigureOut">
               <a:rPr lang="en-US" smtClean="0"/>
               <a:pPr/>
-              <a:t>20-Mar-19</a:t>
+              <a:t>09-Apr-19</a:t>
             </a:fld>
             <a:endParaRPr lang="en-US"/>
           </a:p>
@@ -4853,7 +4853,40 @@
           <a:bodyPr/>
           <a:lstStyle/>
           <a:p>
-            <a:endParaRPr lang="en-SG"/>
+            <a:r>
+              <a:rPr lang="en-US" dirty="0" smtClean="0"/>
+              <a:t>Changes introduced improved performance by 3%</a:t>
+            </a:r>
+          </a:p>
+          <a:p>
+            <a:endParaRPr lang="en-US" dirty="0" smtClean="0"/>
+          </a:p>
+          <a:p>
+            <a:r>
+              <a:rPr lang="en-US" dirty="0" smtClean="0"/>
+              <a:t>Might change GA1 to ES(1+n</a:t>
+            </a:r>
+            <a:r>
+              <a:rPr lang="en-US" dirty="0" smtClean="0"/>
+              <a:t>) or some other method (</a:t>
+            </a:r>
+            <a:r>
+              <a:rPr lang="en-US" dirty="0" err="1" smtClean="0"/>
+              <a:t>Tabu</a:t>
+            </a:r>
+            <a:r>
+              <a:rPr lang="en-US" dirty="0" smtClean="0"/>
+              <a:t> search)</a:t>
+            </a:r>
+            <a:endParaRPr lang="en-US" dirty="0" smtClean="0"/>
+          </a:p>
+          <a:p>
+            <a:pPr lvl="1"/>
+            <a:r>
+              <a:rPr lang="en-US" dirty="0" smtClean="0"/>
+              <a:t>GA keeps getting stuck at local minima</a:t>
+            </a:r>
+            <a:endParaRPr lang="en-SG" dirty="0"/>
           </a:p>
         </p:txBody>
       </p:sp>
@@ -4869,23 +4902,21 @@
         </p:nvSpPr>
         <p:spPr/>
         <p:txBody>
-          <a:bodyPr>
-            <a:normAutofit/>
-          </a:bodyPr>
+          <a:bodyPr/>
           <a:lstStyle/>
           <a:p>
             <a:r>
-              <a:rPr lang="en-US" smtClean="0"/>
-              <a:t>User interface</a:t>
-            </a:r>
-            <a:endParaRPr lang="en-SG"/>
+              <a:rPr lang="en-US" dirty="0" smtClean="0"/>
+              <a:t>Results discussion</a:t>
+            </a:r>
+            <a:endParaRPr lang="en-SG" dirty="0"/>
           </a:p>
         </p:txBody>
       </p:sp>
     </p:spTree>
     <p:extLst>
       <p:ext uri="{BB962C8B-B14F-4D97-AF65-F5344CB8AC3E}">
-        <p14:creationId xmlns:p14="http://schemas.microsoft.com/office/powerpoint/2010/main" val="2300943208"/>
+        <p14:creationId xmlns:p14="http://schemas.microsoft.com/office/powerpoint/2010/main" val="2108848339"/>
       </p:ext>
     </p:extLst>
   </p:cSld>
@@ -4927,16 +4958,6 @@
           <a:bodyPr/>
           <a:lstStyle/>
           <a:p>
-            <a:r>
-              <a:rPr lang="en-US" dirty="0" smtClean="0"/>
-              <a:t>Implement proposed change and redo the experiments</a:t>
-            </a:r>
-          </a:p>
-          <a:p>
-            <a:r>
-              <a:rPr lang="en-US" dirty="0" smtClean="0"/>
-              <a:t>Integrate user interface with algorithm</a:t>
-            </a:r>
             <a:endParaRPr lang="en-SG" dirty="0"/>
           </a:p>
         </p:txBody>
@@ -4953,21 +4974,23 @@
         </p:nvSpPr>
         <p:spPr/>
         <p:txBody>
-          <a:bodyPr/>
+          <a:bodyPr>
+            <a:normAutofit/>
+          </a:bodyPr>
           <a:lstStyle/>
           <a:p>
             <a:r>
-              <a:rPr lang="en-US" dirty="0" smtClean="0"/>
-              <a:t>Future work</a:t>
-            </a:r>
-            <a:endParaRPr lang="en-SG" dirty="0"/>
+              <a:rPr lang="en-US" smtClean="0"/>
+              <a:t>User interface</a:t>
+            </a:r>
+            <a:endParaRPr lang="en-SG"/>
           </a:p>
         </p:txBody>
       </p:sp>
     </p:spTree>
     <p:extLst>
       <p:ext uri="{BB962C8B-B14F-4D97-AF65-F5344CB8AC3E}">
-        <p14:creationId xmlns:p14="http://schemas.microsoft.com/office/powerpoint/2010/main" val="3973096932"/>
+        <p14:creationId xmlns:p14="http://schemas.microsoft.com/office/powerpoint/2010/main" val="2300943208"/>
       </p:ext>
     </p:extLst>
   </p:cSld>
@@ -5029,19 +5052,13 @@
           <a:p>
             <a:r>
               <a:rPr lang="en-US" dirty="0" smtClean="0"/>
-              <a:t>experiment design</a:t>
+              <a:t>Results</a:t>
             </a:r>
           </a:p>
           <a:p>
             <a:r>
               <a:rPr lang="en-US" dirty="0" smtClean="0"/>
-              <a:t>Progress</a:t>
-            </a:r>
-          </a:p>
-          <a:p>
-            <a:r>
-              <a:rPr lang="en-US" dirty="0" smtClean="0"/>
-              <a:t>Future work</a:t>
+              <a:t>User interface</a:t>
             </a:r>
             <a:endParaRPr lang="en-SG" dirty="0"/>
           </a:p>
@@ -5330,11 +5347,7 @@
           <a:p>
             <a:r>
               <a:rPr lang="en-US" dirty="0" smtClean="0"/>
-              <a:t>Optimizing </a:t>
-            </a:r>
-            <a:r>
-              <a:rPr lang="en-US" dirty="0" smtClean="0"/>
-              <a:t>traffic signal timings</a:t>
+              <a:t>Optimizing traffic signal timings</a:t>
             </a:r>
             <a:endParaRPr lang="en-SG" dirty="0"/>
           </a:p>
@@ -5715,42 +5728,36 @@
           <a:p>
             <a:r>
               <a:rPr lang="en-US" dirty="0" smtClean="0"/>
-              <a:t>Method 1 (our method):</a:t>
+              <a:t>Changed selection to roulette wheel selection with elitism</a:t>
             </a:r>
           </a:p>
           <a:p>
             <a:r>
               <a:rPr lang="en-US" dirty="0" smtClean="0"/>
-              <a:t>Method 2:</a:t>
-            </a:r>
-          </a:p>
+              <a:t>Instead of optimizing entire genotype, optimize a small portion then duplicate genotype and repeat optimization</a:t>
+            </a:r>
+            <a:endParaRPr lang="en-SG" dirty="0"/>
+          </a:p>
+        </p:txBody>
+      </p:sp>
+      <p:sp>
+        <p:nvSpPr>
+          <p:cNvPr id="3" name="Title 2"/>
+          <p:cNvSpPr>
+            <a:spLocks noGrp="1"/>
+          </p:cNvSpPr>
+          <p:nvPr>
+            <p:ph type="title"/>
+          </p:nvPr>
+        </p:nvSpPr>
+        <p:spPr/>
+        <p:txBody>
+          <a:bodyPr/>
+          <a:lstStyle/>
           <a:p>
             <a:r>
               <a:rPr lang="en-US" dirty="0" smtClean="0"/>
-              <a:t>Method 3:</a:t>
-            </a:r>
-            <a:endParaRPr lang="en-SG" dirty="0"/>
-          </a:p>
-        </p:txBody>
-      </p:sp>
-      <p:sp>
-        <p:nvSpPr>
-          <p:cNvPr id="3" name="Title 2"/>
-          <p:cNvSpPr>
-            <a:spLocks noGrp="1"/>
-          </p:cNvSpPr>
-          <p:nvPr>
-            <p:ph type="title"/>
-          </p:nvPr>
-        </p:nvSpPr>
-        <p:spPr/>
-        <p:txBody>
-          <a:bodyPr/>
-          <a:lstStyle/>
-          <a:p>
-            <a:r>
-              <a:rPr lang="en-US" dirty="0" smtClean="0"/>
-              <a:t>Results</a:t>
+              <a:t>Changes Introduced</a:t>
             </a:r>
             <a:endParaRPr lang="en-SG" dirty="0"/>
           </a:p>
@@ -5759,7 +5766,7 @@
     </p:spTree>
     <p:extLst>
       <p:ext uri="{BB962C8B-B14F-4D97-AF65-F5344CB8AC3E}">
-        <p14:creationId xmlns:p14="http://schemas.microsoft.com/office/powerpoint/2010/main" val="3234658373"/>
+        <p14:creationId xmlns:p14="http://schemas.microsoft.com/office/powerpoint/2010/main" val="385965979"/>
       </p:ext>
     </p:extLst>
   </p:cSld>
@@ -5803,20 +5810,25 @@
           <a:p>
             <a:r>
               <a:rPr lang="en-US" dirty="0" smtClean="0"/>
-              <a:t>Proposed method fails due to low exploitative and high explorative power</a:t>
-            </a:r>
+              <a:t>Method 1: 16%</a:t>
+            </a:r>
+          </a:p>
+          <a:p>
+            <a:endParaRPr lang="en-US" dirty="0" smtClean="0"/>
           </a:p>
           <a:p>
             <a:r>
               <a:rPr lang="en-US" dirty="0" smtClean="0"/>
-              <a:t>New proposal:</a:t>
-            </a:r>
-          </a:p>
-          <a:p>
-            <a:pPr lvl="1"/>
+              <a:t>Method 2: 17%</a:t>
+            </a:r>
+          </a:p>
+          <a:p>
+            <a:endParaRPr lang="en-US" dirty="0" smtClean="0"/>
+          </a:p>
+          <a:p>
             <a:r>
               <a:rPr lang="en-US" dirty="0" smtClean="0"/>
-              <a:t>To optimize over n time steps, start with 1 time step, extend timings to 2 time steps and increase exponentially</a:t>
+              <a:t>Method 3: 20%</a:t>
             </a:r>
             <a:endParaRPr lang="en-SG" dirty="0"/>
           </a:p>
@@ -5839,7 +5851,7 @@
           <a:p>
             <a:r>
               <a:rPr lang="en-US" dirty="0" smtClean="0"/>
-              <a:t>Results discussion</a:t>
+              <a:t>Results</a:t>
             </a:r>
             <a:endParaRPr lang="en-SG" dirty="0"/>
           </a:p>
@@ -5848,7 +5860,7 @@
     </p:spTree>
     <p:extLst>
       <p:ext uri="{BB962C8B-B14F-4D97-AF65-F5344CB8AC3E}">
-        <p14:creationId xmlns:p14="http://schemas.microsoft.com/office/powerpoint/2010/main" val="2108848339"/>
+        <p14:creationId xmlns:p14="http://schemas.microsoft.com/office/powerpoint/2010/main" val="3234658373"/>
       </p:ext>
     </p:extLst>
   </p:cSld>
